--- a/Team19_Presentation.pptx
+++ b/Team19_Presentation.pptx
@@ -222,7 +222,7 @@
           <a:p>
             <a:fld id="{7C0AA17F-CB06-445B-ACD3-321E84E51A80}" type="datetimeFigureOut">
               <a:rPr lang="en-US" smtClean="0"/>
-              <a:t>5/23/2020</a:t>
+              <a:t>5/24/2020</a:t>
             </a:fld>
             <a:endParaRPr lang="en-US" dirty="0"/>
           </a:p>
@@ -399,7 +399,7 @@
           <a:p>
             <a:fld id="{B06141C0-BF72-4A20-AFA7-D05563D549B7}" type="datetimeFigureOut">
               <a:rPr lang="en-US" smtClean="0"/>
-              <a:t>5/23/2020</a:t>
+              <a:t>5/24/2020</a:t>
             </a:fld>
             <a:endParaRPr lang="en-US" dirty="0"/>
           </a:p>
@@ -852,7 +852,7 @@
           <a:p>
             <a:fld id="{984B7D2A-0DF8-424B-9572-B79AEBB2D9DC}" type="datetimeFigureOut">
               <a:rPr lang="en-US" noProof="0" smtClean="0"/>
-              <a:t>5/23/2020</a:t>
+              <a:t>5/24/2020</a:t>
             </a:fld>
             <a:endParaRPr lang="en-US" noProof="0" dirty="0"/>
           </a:p>
@@ -1179,7 +1179,7 @@
           <a:p>
             <a:fld id="{984B7D2A-0DF8-424B-9572-B79AEBB2D9DC}" type="datetimeFigureOut">
               <a:rPr lang="en-US" noProof="0" smtClean="0"/>
-              <a:t>5/23/2020</a:t>
+              <a:t>5/24/2020</a:t>
             </a:fld>
             <a:endParaRPr lang="en-US" noProof="0" dirty="0"/>
           </a:p>
@@ -1340,7 +1340,7 @@
           <a:p>
             <a:fld id="{984B7D2A-0DF8-424B-9572-B79AEBB2D9DC}" type="datetimeFigureOut">
               <a:rPr lang="en-US" noProof="0" smtClean="0"/>
-              <a:t>5/23/2020</a:t>
+              <a:t>5/24/2020</a:t>
             </a:fld>
             <a:endParaRPr lang="en-US" noProof="0" dirty="0"/>
           </a:p>
@@ -1468,7 +1468,7 @@
           <a:p>
             <a:fld id="{984B7D2A-0DF8-424B-9572-B79AEBB2D9DC}" type="datetimeFigureOut">
               <a:rPr lang="en-US" noProof="0" smtClean="0"/>
-              <a:t>5/23/2020</a:t>
+              <a:t>5/24/2020</a:t>
             </a:fld>
             <a:endParaRPr lang="en-US" noProof="0" dirty="0"/>
           </a:p>
@@ -1787,7 +1787,7 @@
           <a:p>
             <a:fld id="{984B7D2A-0DF8-424B-9572-B79AEBB2D9DC}" type="datetimeFigureOut">
               <a:rPr lang="en-US" noProof="0" smtClean="0"/>
-              <a:t>5/23/2020</a:t>
+              <a:t>5/24/2020</a:t>
             </a:fld>
             <a:endParaRPr lang="en-US" noProof="0" dirty="0"/>
           </a:p>
@@ -2083,7 +2083,7 @@
           <a:p>
             <a:fld id="{984B7D2A-0DF8-424B-9572-B79AEBB2D9DC}" type="datetimeFigureOut">
               <a:rPr lang="en-US" noProof="0" smtClean="0"/>
-              <a:t>5/23/2020</a:t>
+              <a:t>5/24/2020</a:t>
             </a:fld>
             <a:endParaRPr lang="en-US" noProof="0" dirty="0"/>
           </a:p>
@@ -2317,7 +2317,7 @@
           <a:p>
             <a:fld id="{984B7D2A-0DF8-424B-9572-B79AEBB2D9DC}" type="datetimeFigureOut">
               <a:rPr lang="en-US" noProof="0" smtClean="0"/>
-              <a:t>5/23/2020</a:t>
+              <a:t>5/24/2020</a:t>
             </a:fld>
             <a:endParaRPr lang="en-US" noProof="0" dirty="0"/>
           </a:p>
@@ -2998,7 +2998,7 @@
           <a:p>
             <a:fld id="{984B7D2A-0DF8-424B-9572-B79AEBB2D9DC}" type="datetimeFigureOut">
               <a:rPr lang="en-US" noProof="0" smtClean="0"/>
-              <a:t>5/23/2020</a:t>
+              <a:t>5/24/2020</a:t>
             </a:fld>
             <a:endParaRPr lang="en-US" noProof="0" dirty="0"/>
           </a:p>
@@ -3319,7 +3319,7 @@
           <a:p>
             <a:fld id="{984B7D2A-0DF8-424B-9572-B79AEBB2D9DC}" type="datetimeFigureOut">
               <a:rPr lang="en-US" noProof="0" smtClean="0"/>
-              <a:t>5/23/2020</a:t>
+              <a:t>5/24/2020</a:t>
             </a:fld>
             <a:endParaRPr lang="en-US" noProof="0" dirty="0"/>
           </a:p>
@@ -3947,7 +3947,7 @@
           <a:p>
             <a:fld id="{984B7D2A-0DF8-424B-9572-B79AEBB2D9DC}" type="datetimeFigureOut">
               <a:rPr lang="en-US" noProof="0" smtClean="0"/>
-              <a:t>5/23/2020</a:t>
+              <a:t>5/24/2020</a:t>
             </a:fld>
             <a:endParaRPr lang="en-US" noProof="0" dirty="0"/>
           </a:p>
@@ -4399,7 +4399,7 @@
           <a:p>
             <a:fld id="{984B7D2A-0DF8-424B-9572-B79AEBB2D9DC}" type="datetimeFigureOut">
               <a:rPr lang="en-US" noProof="0" smtClean="0"/>
-              <a:t>5/23/2020</a:t>
+              <a:t>5/24/2020</a:t>
             </a:fld>
             <a:endParaRPr lang="en-US" noProof="0" dirty="0"/>
           </a:p>
@@ -4797,7 +4797,7 @@
           <a:p>
             <a:fld id="{984B7D2A-0DF8-424B-9572-B79AEBB2D9DC}" type="datetimeFigureOut">
               <a:rPr lang="en-US" noProof="0" smtClean="0"/>
-              <a:t>5/23/2020</a:t>
+              <a:t>5/24/2020</a:t>
             </a:fld>
             <a:endParaRPr lang="en-US" noProof="0" dirty="0"/>
           </a:p>
@@ -5087,7 +5087,7 @@
           <a:p>
             <a:fld id="{984B7D2A-0DF8-424B-9572-B79AEBB2D9DC}" type="datetimeFigureOut">
               <a:rPr lang="en-US" noProof="0" smtClean="0"/>
-              <a:t>5/23/2020</a:t>
+              <a:t>5/24/2020</a:t>
             </a:fld>
             <a:endParaRPr lang="en-US" noProof="0" dirty="0"/>
           </a:p>
@@ -7245,7 +7245,7 @@
         </p:nvSpPr>
         <p:spPr>
           <a:xfrm>
-            <a:off x="4792252" y="996745"/>
+            <a:off x="4662229" y="1001336"/>
             <a:ext cx="1425668" cy="1218136"/>
           </a:xfrm>
           <a:prstGeom prst="star12">
@@ -7275,7 +7275,7 @@
           <a:p>
             <a:pPr algn="ctr"/>
             <a:r>
-              <a:rPr lang="en-US" sz="1400" b="1" dirty="0">
+              <a:rPr lang="en-US" sz="1100" b="1" dirty="0">
                 <a:solidFill>
                   <a:schemeClr val="tx1"/>
                 </a:solidFill>
@@ -7299,8 +7299,8 @@
         </p:nvSpPr>
         <p:spPr>
           <a:xfrm>
-            <a:off x="10359163" y="1019866"/>
-            <a:ext cx="1383958" cy="1237119"/>
+            <a:off x="10062370" y="1116616"/>
+            <a:ext cx="1548568" cy="1361769"/>
           </a:xfrm>
           <a:prstGeom prst="star12">
             <a:avLst/>
@@ -7329,12 +7329,12 @@
           <a:p>
             <a:pPr algn="ctr"/>
             <a:r>
-              <a:rPr lang="en-US" sz="1400" b="1" dirty="0">
+              <a:rPr lang="en-US" sz="1100" b="1" dirty="0">
                 <a:solidFill>
                   <a:schemeClr val="tx1"/>
                 </a:solidFill>
               </a:rPr>
-              <a:t>Design</a:t>
+              <a:t>Design &amp; Documentation</a:t>
             </a:r>
           </a:p>
         </p:txBody>
@@ -7353,7 +7353,7 @@
         </p:nvSpPr>
         <p:spPr>
           <a:xfrm>
-            <a:off x="10359163" y="2842650"/>
+            <a:off x="10151575" y="2988417"/>
             <a:ext cx="1383958" cy="1237119"/>
           </a:xfrm>
           <a:prstGeom prst="star12">
@@ -7383,7 +7383,7 @@
           <a:p>
             <a:pPr algn="ctr"/>
             <a:r>
-              <a:rPr lang="en-US" sz="1400" b="1" dirty="0">
+              <a:rPr lang="en-US" sz="1100" b="1" dirty="0">
                 <a:solidFill>
                   <a:schemeClr val="tx1"/>
                 </a:solidFill>
@@ -7407,8 +7407,8 @@
         </p:nvSpPr>
         <p:spPr>
           <a:xfrm>
-            <a:off x="4734098" y="2858960"/>
-            <a:ext cx="1392381" cy="1255840"/>
+            <a:off x="4432102" y="2867056"/>
+            <a:ext cx="1706810" cy="1255840"/>
           </a:xfrm>
           <a:prstGeom prst="star12">
             <a:avLst/>
@@ -7437,12 +7437,12 @@
           <a:p>
             <a:pPr algn="ctr"/>
             <a:r>
-              <a:rPr lang="en-US" sz="1400" b="1" dirty="0">
+              <a:rPr lang="en-US" sz="1100" b="1" dirty="0">
                 <a:solidFill>
                   <a:schemeClr val="tx1"/>
                 </a:solidFill>
               </a:rPr>
-              <a:t>Couch DB</a:t>
+              <a:t>Couch DB &amp; MapReduce</a:t>
             </a:r>
           </a:p>
         </p:txBody>
@@ -7832,14 +7832,102 @@
             <p:ph type="body" idx="1"/>
           </p:nvPr>
         </p:nvSpPr>
-        <p:spPr/>
+        <p:spPr>
+          <a:xfrm>
+            <a:off x="675543" y="1668759"/>
+            <a:ext cx="10840914" cy="4226013"/>
+          </a:xfrm>
+        </p:spPr>
         <p:txBody>
           <a:bodyPr/>
           <a:lstStyle/>
           <a:p>
             <a:r>
               <a:rPr lang="en-US" dirty="0"/>
-              <a:t>Scenario 1: Study of social, economic and health situations</a:t>
+              <a:t>•	Study of social, health and financial situations</a:t>
+            </a:r>
+          </a:p>
+          <a:p>
+            <a:pPr marL="800100" lvl="1" indent="-342900">
+              <a:buFont typeface="Courier New" panose="02070309020205020404" pitchFamily="49" charset="0"/>
+              <a:buChar char="o"/>
+            </a:pPr>
+            <a:r>
+              <a:rPr lang="en-US" b="0" dirty="0"/>
+              <a:t>Median age</a:t>
+            </a:r>
+          </a:p>
+          <a:p>
+            <a:pPr marL="800100" lvl="1" indent="-342900">
+              <a:buFont typeface="Courier New" panose="02070309020205020404" pitchFamily="49" charset="0"/>
+              <a:buChar char="o"/>
+            </a:pPr>
+            <a:r>
+              <a:rPr lang="en-US" b="0" dirty="0"/>
+              <a:t>Median income</a:t>
+            </a:r>
+          </a:p>
+          <a:p>
+            <a:pPr marL="800100" lvl="1" indent="-342900">
+              <a:buFont typeface="Courier New" panose="02070309020205020404" pitchFamily="49" charset="0"/>
+              <a:buChar char="o"/>
+            </a:pPr>
+            <a:r>
+              <a:rPr lang="en-US" b="0" dirty="0"/>
+              <a:t>Mental health</a:t>
+            </a:r>
+          </a:p>
+          <a:p>
+            <a:pPr marL="800100" lvl="1" indent="-342900">
+              <a:buFont typeface="Courier New" panose="02070309020205020404" pitchFamily="49" charset="0"/>
+              <a:buChar char="o"/>
+            </a:pPr>
+            <a:r>
+              <a:rPr lang="en-US" b="0" dirty="0"/>
+              <a:t>Overseas born rate </a:t>
+            </a:r>
+          </a:p>
+          <a:p>
+            <a:pPr marL="800100" lvl="1" indent="-342900">
+              <a:buFont typeface="Courier New" panose="02070309020205020404" pitchFamily="49" charset="0"/>
+              <a:buChar char="o"/>
+            </a:pPr>
+            <a:r>
+              <a:rPr lang="en-US" b="0" dirty="0"/>
+              <a:t>Employment rate </a:t>
+            </a:r>
+          </a:p>
+          <a:p>
+            <a:r>
+              <a:rPr lang="en-US" dirty="0"/>
+              <a:t>•	Study of sentiments of Australian residents on Australian politics</a:t>
+            </a:r>
+          </a:p>
+          <a:p>
+            <a:pPr marL="800100" lvl="1" indent="-342900">
+              <a:buFont typeface="Courier New" panose="02070309020205020404" pitchFamily="49" charset="0"/>
+              <a:buChar char="o"/>
+            </a:pPr>
+            <a:r>
+              <a:rPr lang="en-US" b="0" dirty="0"/>
+              <a:t>Politics</a:t>
+            </a:r>
+          </a:p>
+          <a:p>
+            <a:pPr marL="800100" lvl="1" indent="-342900">
+              <a:buFont typeface="Courier New" panose="02070309020205020404" pitchFamily="49" charset="0"/>
+              <a:buChar char="o"/>
+            </a:pPr>
+            <a:r>
+              <a:rPr lang="en-US" b="0" dirty="0" err="1"/>
+              <a:t>COVIDSafe</a:t>
+            </a:r>
+            <a:endParaRPr lang="en-US" dirty="0"/>
+          </a:p>
+          <a:p>
+            <a:r>
+              <a:rPr lang="en-US" dirty="0"/>
+              <a:t>•	Comparison of sentiments on Australian politics against social, economic and health situations </a:t>
             </a:r>
           </a:p>
         </p:txBody>
@@ -9007,6 +9095,23 @@
 </file>
 
 <file path=customXml/item1.xml><?xml version="1.0" encoding="utf-8"?>
+<?mso-contentType ?>
+<FormTemplates xmlns="http://schemas.microsoft.com/sharepoint/v3/contenttype/forms">
+  <Display>DocumentLibraryForm</Display>
+  <Edit>DocumentLibraryForm</Edit>
+  <New>DocumentLibraryForm</New>
+</FormTemplates>
+</file>
+
+<file path=customXml/item2.xml><?xml version="1.0" encoding="utf-8"?>
+<p:properties xmlns:p="http://schemas.microsoft.com/office/2006/metadata/properties" xmlns:xsi="http://www.w3.org/2001/XMLSchema-instance" xmlns:pc="http://schemas.microsoft.com/office/infopath/2007/PartnerControls">
+  <documentManagement>
+    <MediaServiceKeyPoints xmlns="71af3243-3dd4-4a8d-8c0d-dd76da1f02a5" xsi:nil="true"/>
+  </documentManagement>
+</p:properties>
+</file>
+
+<file path=customXml/item3.xml><?xml version="1.0" encoding="utf-8"?>
 <ct:contentTypeSchema xmlns:ct="http://schemas.microsoft.com/office/2006/metadata/contentType" xmlns:ma="http://schemas.microsoft.com/office/2006/metadata/properties/metaAttributes" ct:_="" ma:_="" ma:contentTypeName="Document" ma:contentTypeID="0x01010079F111ED35F8CC479449609E8A0923A6" ma:contentTypeVersion="11" ma:contentTypeDescription="Create a new document." ma:contentTypeScope="" ma:versionID="96291512c1ee715ab617f4c07df79fc1">
   <xsd:schema xmlns:xsd="http://www.w3.org/2001/XMLSchema" xmlns:xs="http://www.w3.org/2001/XMLSchema" xmlns:p="http://schemas.microsoft.com/office/2006/metadata/properties" xmlns:ns2="71af3243-3dd4-4a8d-8c0d-dd76da1f02a5" xmlns:ns3="16c05727-aa75-4e4a-9b5f-8a80a1165891" targetNamespace="http://schemas.microsoft.com/office/2006/metadata/properties" ma:root="true" ma:fieldsID="8256c27c40ca5c40ce1cf6c44f0205df" ns2:_="" ns3:_="">
     <xsd:import namespace="71af3243-3dd4-4a8d-8c0d-dd76da1f02a5"/>
@@ -9217,24 +9322,25 @@
 </ct:contentTypeSchema>
 </file>
 
-<file path=customXml/item2.xml><?xml version="1.0" encoding="utf-8"?>
-<p:properties xmlns:p="http://schemas.microsoft.com/office/2006/metadata/properties" xmlns:xsi="http://www.w3.org/2001/XMLSchema-instance" xmlns:pc="http://schemas.microsoft.com/office/infopath/2007/PartnerControls">
-  <documentManagement>
-    <MediaServiceKeyPoints xmlns="71af3243-3dd4-4a8d-8c0d-dd76da1f02a5" xsi:nil="true"/>
-  </documentManagement>
-</p:properties>
+<file path=customXml/itemProps1.xml><?xml version="1.0" encoding="utf-8"?>
+<ds:datastoreItem xmlns:ds="http://schemas.openxmlformats.org/officeDocument/2006/customXml" ds:itemID="{38C25A74-1E0C-4362-AFA3-6197BD285F3A}">
+  <ds:schemaRefs>
+    <ds:schemaRef ds:uri="http://schemas.microsoft.com/sharepoint/v3/contenttype/forms"/>
+  </ds:schemaRefs>
+</ds:datastoreItem>
 </file>
 
-<file path=customXml/item3.xml><?xml version="1.0" encoding="utf-8"?>
-<?mso-contentType ?>
-<FormTemplates xmlns="http://schemas.microsoft.com/sharepoint/v3/contenttype/forms">
-  <Display>DocumentLibraryForm</Display>
-  <Edit>DocumentLibraryForm</Edit>
-  <New>DocumentLibraryForm</New>
-</FormTemplates>
+<file path=customXml/itemProps2.xml><?xml version="1.0" encoding="utf-8"?>
+<ds:datastoreItem xmlns:ds="http://schemas.openxmlformats.org/officeDocument/2006/customXml" ds:itemID="{0EC94942-C689-461B-8649-1FD863C6BA2B}">
+  <ds:schemaRefs>
+    <ds:schemaRef ds:uri="http://schemas.microsoft.com/office/2006/metadata/properties"/>
+    <ds:schemaRef ds:uri="http://schemas.microsoft.com/office/infopath/2007/PartnerControls"/>
+    <ds:schemaRef ds:uri="71af3243-3dd4-4a8d-8c0d-dd76da1f02a5"/>
+  </ds:schemaRefs>
+</ds:datastoreItem>
 </file>
 
-<file path=customXml/itemProps1.xml><?xml version="1.0" encoding="utf-8"?>
+<file path=customXml/itemProps3.xml><?xml version="1.0" encoding="utf-8"?>
 <ds:datastoreItem xmlns:ds="http://schemas.openxmlformats.org/officeDocument/2006/customXml" ds:itemID="{096277B9-27DA-47CA-9593-62E4BB44ABEA}">
   <ds:schemaRefs>
     <ds:schemaRef ds:uri="http://schemas.microsoft.com/office/2006/metadata/contentType"/>
@@ -9251,22 +9357,4 @@
     <ds:schemaRef ds:uri="http://schemas.microsoft.com/internal/obd"/>
   </ds:schemaRefs>
 </ds:datastoreItem>
-</file>
-
-<file path=customXml/itemProps2.xml><?xml version="1.0" encoding="utf-8"?>
-<ds:datastoreItem xmlns:ds="http://schemas.openxmlformats.org/officeDocument/2006/customXml" ds:itemID="{0EC94942-C689-461B-8649-1FD863C6BA2B}">
-  <ds:schemaRefs>
-    <ds:schemaRef ds:uri="http://schemas.microsoft.com/office/2006/metadata/properties"/>
-    <ds:schemaRef ds:uri="http://schemas.microsoft.com/office/infopath/2007/PartnerControls"/>
-    <ds:schemaRef ds:uri="71af3243-3dd4-4a8d-8c0d-dd76da1f02a5"/>
-  </ds:schemaRefs>
-</ds:datastoreItem>
-</file>
-
-<file path=customXml/itemProps3.xml><?xml version="1.0" encoding="utf-8"?>
-<ds:datastoreItem xmlns:ds="http://schemas.openxmlformats.org/officeDocument/2006/customXml" ds:itemID="{38C25A74-1E0C-4362-AFA3-6197BD285F3A}">
-  <ds:schemaRefs>
-    <ds:schemaRef ds:uri="http://schemas.microsoft.com/sharepoint/v3/contenttype/forms"/>
-  </ds:schemaRefs>
-</ds:datastoreItem>
 </file>
--- a/Team19_Presentation.pptx
+++ b/Team19_Presentation.pptx
@@ -5,20 +5,18 @@
     <p:sldMasterId id="2147483660" r:id="rId4"/>
   </p:sldMasterIdLst>
   <p:notesMasterIdLst>
-    <p:notesMasterId r:id="rId13"/>
+    <p:notesMasterId r:id="rId11"/>
   </p:notesMasterIdLst>
   <p:handoutMasterIdLst>
-    <p:handoutMasterId r:id="rId14"/>
+    <p:handoutMasterId r:id="rId12"/>
   </p:handoutMasterIdLst>
   <p:sldIdLst>
     <p:sldId id="268" r:id="rId5"/>
     <p:sldId id="277" r:id="rId6"/>
     <p:sldId id="271" r:id="rId7"/>
     <p:sldId id="278" r:id="rId8"/>
-    <p:sldId id="279" r:id="rId9"/>
-    <p:sldId id="280" r:id="rId10"/>
-    <p:sldId id="281" r:id="rId11"/>
-    <p:sldId id="257" r:id="rId12"/>
+    <p:sldId id="281" r:id="rId9"/>
+    <p:sldId id="257" r:id="rId10"/>
   </p:sldIdLst>
   <p:sldSz cx="12192000" cy="6858000"/>
   <p:notesSz cx="6858000" cy="9144000"/>
@@ -118,6 +116,24 @@
     </a:lvl9pPr>
   </p:defaultTextStyle>
   <p:extLst>
+    <p:ext uri="{521415D9-36F7-43E2-AB2F-B90AF26B5E84}">
+      <p14:sectionLst xmlns:p14="http://schemas.microsoft.com/office/powerpoint/2010/main">
+        <p14:section name="Default Section" id="{BC24336F-D2A7-4F8C-B0B7-056810EB20DB}">
+          <p14:sldIdLst>
+            <p14:sldId id="268"/>
+            <p14:sldId id="277"/>
+          </p14:sldIdLst>
+        </p14:section>
+        <p14:section name="Untitled Section" id="{FFBA3020-8FF3-4998-9E66-1FA04EA97F56}">
+          <p14:sldIdLst>
+            <p14:sldId id="271"/>
+            <p14:sldId id="278"/>
+            <p14:sldId id="281"/>
+            <p14:sldId id="257"/>
+          </p14:sldIdLst>
+        </p14:section>
+      </p14:sectionLst>
+    </p:ext>
     <p:ext uri="{EFAFB233-063F-42B5-8137-9DF3F51BA10A}">
       <p15:sldGuideLst xmlns:p15="http://schemas.microsoft.com/office/powerpoint/2012/main"/>
     </p:ext>
@@ -222,7 +238,7 @@
           <a:p>
             <a:fld id="{7C0AA17F-CB06-445B-ACD3-321E84E51A80}" type="datetimeFigureOut">
               <a:rPr lang="en-US" smtClean="0"/>
-              <a:t>5/24/2020</a:t>
+              <a:t>5/26/2020</a:t>
             </a:fld>
             <a:endParaRPr lang="en-US" dirty="0"/>
           </a:p>
@@ -399,7 +415,7 @@
           <a:p>
             <a:fld id="{B06141C0-BF72-4A20-AFA7-D05563D549B7}" type="datetimeFigureOut">
               <a:rPr lang="en-US" smtClean="0"/>
-              <a:t>5/24/2020</a:t>
+              <a:t>5/26/2020</a:t>
             </a:fld>
             <a:endParaRPr lang="en-US" dirty="0"/>
           </a:p>
@@ -852,7 +868,7 @@
           <a:p>
             <a:fld id="{984B7D2A-0DF8-424B-9572-B79AEBB2D9DC}" type="datetimeFigureOut">
               <a:rPr lang="en-US" noProof="0" smtClean="0"/>
-              <a:t>5/24/2020</a:t>
+              <a:t>5/26/2020</a:t>
             </a:fld>
             <a:endParaRPr lang="en-US" noProof="0" dirty="0"/>
           </a:p>
@@ -1179,7 +1195,7 @@
           <a:p>
             <a:fld id="{984B7D2A-0DF8-424B-9572-B79AEBB2D9DC}" type="datetimeFigureOut">
               <a:rPr lang="en-US" noProof="0" smtClean="0"/>
-              <a:t>5/24/2020</a:t>
+              <a:t>5/26/2020</a:t>
             </a:fld>
             <a:endParaRPr lang="en-US" noProof="0" dirty="0"/>
           </a:p>
@@ -1340,7 +1356,7 @@
           <a:p>
             <a:fld id="{984B7D2A-0DF8-424B-9572-B79AEBB2D9DC}" type="datetimeFigureOut">
               <a:rPr lang="en-US" noProof="0" smtClean="0"/>
-              <a:t>5/24/2020</a:t>
+              <a:t>5/26/2020</a:t>
             </a:fld>
             <a:endParaRPr lang="en-US" noProof="0" dirty="0"/>
           </a:p>
@@ -1468,7 +1484,7 @@
           <a:p>
             <a:fld id="{984B7D2A-0DF8-424B-9572-B79AEBB2D9DC}" type="datetimeFigureOut">
               <a:rPr lang="en-US" noProof="0" smtClean="0"/>
-              <a:t>5/24/2020</a:t>
+              <a:t>5/26/2020</a:t>
             </a:fld>
             <a:endParaRPr lang="en-US" noProof="0" dirty="0"/>
           </a:p>
@@ -1787,7 +1803,7 @@
           <a:p>
             <a:fld id="{984B7D2A-0DF8-424B-9572-B79AEBB2D9DC}" type="datetimeFigureOut">
               <a:rPr lang="en-US" noProof="0" smtClean="0"/>
-              <a:t>5/24/2020</a:t>
+              <a:t>5/26/2020</a:t>
             </a:fld>
             <a:endParaRPr lang="en-US" noProof="0" dirty="0"/>
           </a:p>
@@ -2083,7 +2099,7 @@
           <a:p>
             <a:fld id="{984B7D2A-0DF8-424B-9572-B79AEBB2D9DC}" type="datetimeFigureOut">
               <a:rPr lang="en-US" noProof="0" smtClean="0"/>
-              <a:t>5/24/2020</a:t>
+              <a:t>5/26/2020</a:t>
             </a:fld>
             <a:endParaRPr lang="en-US" noProof="0" dirty="0"/>
           </a:p>
@@ -2317,7 +2333,7 @@
           <a:p>
             <a:fld id="{984B7D2A-0DF8-424B-9572-B79AEBB2D9DC}" type="datetimeFigureOut">
               <a:rPr lang="en-US" noProof="0" smtClean="0"/>
-              <a:t>5/24/2020</a:t>
+              <a:t>5/26/2020</a:t>
             </a:fld>
             <a:endParaRPr lang="en-US" noProof="0" dirty="0"/>
           </a:p>
@@ -2998,7 +3014,7 @@
           <a:p>
             <a:fld id="{984B7D2A-0DF8-424B-9572-B79AEBB2D9DC}" type="datetimeFigureOut">
               <a:rPr lang="en-US" noProof="0" smtClean="0"/>
-              <a:t>5/24/2020</a:t>
+              <a:t>5/26/2020</a:t>
             </a:fld>
             <a:endParaRPr lang="en-US" noProof="0" dirty="0"/>
           </a:p>
@@ -3319,7 +3335,7 @@
           <a:p>
             <a:fld id="{984B7D2A-0DF8-424B-9572-B79AEBB2D9DC}" type="datetimeFigureOut">
               <a:rPr lang="en-US" noProof="0" smtClean="0"/>
-              <a:t>5/24/2020</a:t>
+              <a:t>5/26/2020</a:t>
             </a:fld>
             <a:endParaRPr lang="en-US" noProof="0" dirty="0"/>
           </a:p>
@@ -3947,7 +3963,7 @@
           <a:p>
             <a:fld id="{984B7D2A-0DF8-424B-9572-B79AEBB2D9DC}" type="datetimeFigureOut">
               <a:rPr lang="en-US" noProof="0" smtClean="0"/>
-              <a:t>5/24/2020</a:t>
+              <a:t>5/26/2020</a:t>
             </a:fld>
             <a:endParaRPr lang="en-US" noProof="0" dirty="0"/>
           </a:p>
@@ -4399,7 +4415,7 @@
           <a:p>
             <a:fld id="{984B7D2A-0DF8-424B-9572-B79AEBB2D9DC}" type="datetimeFigureOut">
               <a:rPr lang="en-US" noProof="0" smtClean="0"/>
-              <a:t>5/24/2020</a:t>
+              <a:t>5/26/2020</a:t>
             </a:fld>
             <a:endParaRPr lang="en-US" noProof="0" dirty="0"/>
           </a:p>
@@ -4797,7 +4813,7 @@
           <a:p>
             <a:fld id="{984B7D2A-0DF8-424B-9572-B79AEBB2D9DC}" type="datetimeFigureOut">
               <a:rPr lang="en-US" noProof="0" smtClean="0"/>
-              <a:t>5/24/2020</a:t>
+              <a:t>5/26/2020</a:t>
             </a:fld>
             <a:endParaRPr lang="en-US" noProof="0" dirty="0"/>
           </a:p>
@@ -5087,7 +5103,7 @@
           <a:p>
             <a:fld id="{984B7D2A-0DF8-424B-9572-B79AEBB2D9DC}" type="datetimeFigureOut">
               <a:rPr lang="en-US" noProof="0" smtClean="0"/>
-              <a:t>5/24/2020</a:t>
+              <a:t>5/26/2020</a:t>
             </a:fld>
             <a:endParaRPr lang="en-US" noProof="0" dirty="0"/>
           </a:p>
@@ -5801,7 +5817,7 @@
         </p:spPr>
         <p:txBody>
           <a:bodyPr>
-            <a:normAutofit fontScale="85000" lnSpcReduction="20000"/>
+            <a:noAutofit/>
           </a:bodyPr>
           <a:lstStyle/>
           <a:p>
@@ -5809,25 +5825,25 @@
               <a:buNone/>
             </a:pPr>
             <a:r>
-              <a:rPr lang="en-US" dirty="0" err="1"/>
+              <a:rPr lang="en-US" sz="1050" dirty="0" err="1"/>
               <a:t>Mukhammad</a:t>
             </a:r>
             <a:r>
-              <a:rPr lang="en-US" dirty="0"/>
+              <a:rPr lang="en-US" sz="1050" dirty="0"/>
               <a:t> </a:t>
             </a:r>
             <a:r>
-              <a:rPr lang="en-US" dirty="0" err="1"/>
+              <a:rPr lang="en-US" sz="1050" dirty="0" err="1"/>
               <a:t>Karimov</a:t>
             </a:r>
-            <a:endParaRPr lang="en-US" dirty="0"/>
+            <a:endParaRPr lang="en-US" sz="1050" dirty="0"/>
           </a:p>
           <a:p>
             <a:pPr marL="0" indent="0">
               <a:buNone/>
             </a:pPr>
             <a:r>
-              <a:rPr lang="en-US" sz="1400" dirty="0"/>
+              <a:rPr lang="en-US" sz="1050" dirty="0"/>
               <a:t>Student Id: 1019332</a:t>
             </a:r>
           </a:p>
@@ -5836,24 +5852,33 @@
               <a:buNone/>
             </a:pPr>
             <a:r>
-              <a:rPr lang="en-US" sz="1400" dirty="0"/>
+              <a:rPr lang="en-US" sz="1050" dirty="0"/>
               <a:t>Email: </a:t>
             </a:r>
             <a:r>
-              <a:rPr lang="en-US" sz="1400" dirty="0">
+              <a:rPr lang="en-US" sz="1050" dirty="0">
                 <a:hlinkClick r:id="rId3"/>
               </a:rPr>
               <a:t>mkarimov@student.unimelb.edu.au</a:t>
             </a:r>
-            <a:endParaRPr lang="en-US" sz="1400" dirty="0"/>
+            <a:endParaRPr lang="en-US" sz="1050" dirty="0"/>
           </a:p>
           <a:p>
             <a:pPr marL="0" indent="0">
               <a:buNone/>
             </a:pPr>
             <a:r>
-              <a:rPr lang="en-US" sz="1400" dirty="0"/>
+              <a:rPr lang="en-US" sz="1050" dirty="0"/>
               <a:t>City: Melbourne</a:t>
+            </a:r>
+          </a:p>
+          <a:p>
+            <a:pPr marL="0" indent="0">
+              <a:buNone/>
+            </a:pPr>
+            <a:r>
+              <a:rPr lang="en-US" sz="1050" dirty="0"/>
+              <a:t>Course Master of Computer Science</a:t>
             </a:r>
           </a:p>
         </p:txBody>
@@ -5880,7 +5905,7 @@
         </p:blipFill>
         <p:spPr>
           <a:xfrm>
-            <a:off x="2424747" y="457745"/>
+            <a:off x="2686762" y="457745"/>
             <a:ext cx="672067" cy="672067"/>
           </a:xfrm>
           <a:prstGeom prst="rect">
@@ -7608,7 +7633,7 @@
           <a:p>
             <a:r>
               <a:rPr lang="en-US" dirty="0"/>
-              <a:t>The TEAM</a:t>
+              <a:t>TEAM 19</a:t>
             </a:r>
           </a:p>
         </p:txBody>
@@ -7725,10 +7750,10 @@
       </p:pic>
       <p:pic>
         <p:nvPicPr>
-          <p:cNvPr id="4" name="Picture 3">
+          <p:cNvPr id="7" name="Picture 6">
             <a:extLst>
               <a:ext uri="{FF2B5EF4-FFF2-40B4-BE49-F238E27FC236}">
-                <a16:creationId xmlns:a16="http://schemas.microsoft.com/office/drawing/2014/main" id="{A8778794-623C-4A5C-BF9E-15EE81FAA796}"/>
+                <a16:creationId xmlns:a16="http://schemas.microsoft.com/office/drawing/2014/main" id="{7FE05236-CA19-4588-AC0D-1025C18148CD}"/>
               </a:ext>
             </a:extLst>
           </p:cNvPr>
@@ -7745,14 +7770,122 @@
         </p:blipFill>
         <p:spPr>
           <a:xfrm>
-            <a:off x="304800" y="1146810"/>
-            <a:ext cx="11582400" cy="4564380"/>
+            <a:off x="3778521" y="1241687"/>
+            <a:ext cx="8105644" cy="3809706"/>
           </a:xfrm>
           <a:prstGeom prst="rect">
             <a:avLst/>
           </a:prstGeom>
         </p:spPr>
       </p:pic>
+      <p:sp>
+        <p:nvSpPr>
+          <p:cNvPr id="8" name="TextBox 7">
+            <a:extLst>
+              <a:ext uri="{FF2B5EF4-FFF2-40B4-BE49-F238E27FC236}">
+                <a16:creationId xmlns:a16="http://schemas.microsoft.com/office/drawing/2014/main" id="{032E35FE-1501-4451-857D-8F3643384EDE}"/>
+              </a:ext>
+            </a:extLst>
+          </p:cNvPr>
+          <p:cNvSpPr txBox="1"/>
+          <p:nvPr/>
+        </p:nvSpPr>
+        <p:spPr>
+          <a:xfrm>
+            <a:off x="346229" y="1236190"/>
+            <a:ext cx="3169328" cy="3416320"/>
+          </a:xfrm>
+          <a:prstGeom prst="rect">
+            <a:avLst/>
+          </a:prstGeom>
+          <a:noFill/>
+        </p:spPr>
+        <p:txBody>
+          <a:bodyPr wrap="square" rtlCol="0">
+            <a:spAutoFit/>
+          </a:bodyPr>
+          <a:lstStyle/>
+          <a:p>
+            <a:r>
+              <a:rPr lang="en-US" dirty="0"/>
+              <a:t>Three guiding principles</a:t>
+            </a:r>
+          </a:p>
+          <a:p>
+            <a:pPr marL="285750" indent="-285750">
+              <a:buFont typeface="Arial" panose="020B0604020202020204" pitchFamily="34" charset="0"/>
+              <a:buChar char="•"/>
+            </a:pPr>
+            <a:r>
+              <a:rPr lang="en-US" dirty="0"/>
+              <a:t>Speed of development</a:t>
+            </a:r>
+          </a:p>
+          <a:p>
+            <a:pPr marL="285750" indent="-285750">
+              <a:buFont typeface="Arial" panose="020B0604020202020204" pitchFamily="34" charset="0"/>
+              <a:buChar char="•"/>
+            </a:pPr>
+            <a:r>
+              <a:rPr lang="en-US" dirty="0"/>
+              <a:t>Performance</a:t>
+            </a:r>
+          </a:p>
+          <a:p>
+            <a:pPr marL="285750" indent="-285750">
+              <a:buFont typeface="Arial" panose="020B0604020202020204" pitchFamily="34" charset="0"/>
+              <a:buChar char="•"/>
+            </a:pPr>
+            <a:r>
+              <a:rPr lang="en-US" dirty="0"/>
+              <a:t>Fault tolerance</a:t>
+            </a:r>
+          </a:p>
+          <a:p>
+            <a:pPr marL="285750" indent="-285750">
+              <a:buFont typeface="Arial" panose="020B0604020202020204" pitchFamily="34" charset="0"/>
+              <a:buChar char="•"/>
+            </a:pPr>
+            <a:endParaRPr lang="en-US" dirty="0"/>
+          </a:p>
+          <a:p>
+            <a:r>
+              <a:rPr lang="en-US" dirty="0"/>
+              <a:t>Key highlights</a:t>
+            </a:r>
+          </a:p>
+          <a:p>
+            <a:pPr marL="285750" indent="-285750">
+              <a:buFont typeface="Arial" panose="020B0604020202020204" pitchFamily="34" charset="0"/>
+              <a:buChar char="•"/>
+            </a:pPr>
+            <a:r>
+              <a:rPr lang="en-US" dirty="0"/>
+              <a:t>3 Nodes Couch DB Cluster for high availability</a:t>
+            </a:r>
+          </a:p>
+          <a:p>
+            <a:pPr marL="285750" indent="-285750">
+              <a:buFont typeface="Arial" panose="020B0604020202020204" pitchFamily="34" charset="0"/>
+              <a:buChar char="•"/>
+            </a:pPr>
+            <a:r>
+              <a:rPr lang="en-US" dirty="0"/>
+              <a:t>Co-hosting Twitter harvester jobs on secondary node of Couch DB cluster </a:t>
+            </a:r>
+          </a:p>
+          <a:p>
+            <a:pPr marL="285750" indent="-285750">
+              <a:buFont typeface="Arial" panose="020B0604020202020204" pitchFamily="34" charset="0"/>
+              <a:buChar char="•"/>
+            </a:pPr>
+            <a:r>
+              <a:rPr lang="en-US" dirty="0"/>
+              <a:t>Security Groups</a:t>
+            </a:r>
+          </a:p>
+        </p:txBody>
+      </p:sp>
     </p:spTree>
     <p:extLst>
       <p:ext uri="{BB962C8B-B14F-4D97-AF65-F5344CB8AC3E}">
@@ -7834,7 +7967,7 @@
         </p:nvSpPr>
         <p:spPr>
           <a:xfrm>
-            <a:off x="675543" y="1668759"/>
+            <a:off x="533501" y="1215997"/>
             <a:ext cx="10840914" cy="4226013"/>
           </a:xfrm>
         </p:spPr>
@@ -7990,7 +8123,7 @@
           <a:p>
             <a:r>
               <a:rPr lang="en-US" dirty="0"/>
-              <a:t>Key scenarios</a:t>
+              <a:t>Demo</a:t>
             </a:r>
           </a:p>
         </p:txBody>
@@ -8018,189 +8151,7 @@
           <a:p>
             <a:r>
               <a:rPr lang="en-US" dirty="0"/>
-              <a:t>Scenario 2: Study of sentiments of Australian residents on Australian politics</a:t>
-            </a:r>
-          </a:p>
-        </p:txBody>
-      </p:sp>
-    </p:spTree>
-    <p:extLst>
-      <p:ext uri="{BB962C8B-B14F-4D97-AF65-F5344CB8AC3E}">
-        <p14:creationId xmlns:p14="http://schemas.microsoft.com/office/powerpoint/2010/main" val="2971838849"/>
-      </p:ext>
-    </p:extLst>
-  </p:cSld>
-  <p:clrMapOvr>
-    <a:masterClrMapping/>
-  </p:clrMapOvr>
-</p:sld>
-</file>
-
-<file path=ppt/slides/slide6.xml><?xml version="1.0" encoding="utf-8"?>
-<p:sld xmlns:a="http://schemas.openxmlformats.org/drawingml/2006/main" xmlns:r="http://schemas.openxmlformats.org/officeDocument/2006/relationships" xmlns:p="http://schemas.openxmlformats.org/presentationml/2006/main">
-  <p:cSld>
-    <p:spTree>
-      <p:nvGrpSpPr>
-        <p:cNvPr id="1" name=""/>
-        <p:cNvGrpSpPr/>
-        <p:nvPr/>
-      </p:nvGrpSpPr>
-      <p:grpSpPr>
-        <a:xfrm>
-          <a:off x="0" y="0"/>
-          <a:ext cx="0" cy="0"/>
-          <a:chOff x="0" y="0"/>
-          <a:chExt cx="0" cy="0"/>
-        </a:xfrm>
-      </p:grpSpPr>
-      <p:sp>
-        <p:nvSpPr>
-          <p:cNvPr id="2" name="Title 1">
-            <a:extLst>
-              <a:ext uri="{FF2B5EF4-FFF2-40B4-BE49-F238E27FC236}">
-                <a16:creationId xmlns:a16="http://schemas.microsoft.com/office/drawing/2014/main" id="{7EEC826E-72DB-45B4-B092-DA86DA68C4A7}"/>
-              </a:ext>
-            </a:extLst>
-          </p:cNvPr>
-          <p:cNvSpPr>
-            <a:spLocks noGrp="1"/>
-          </p:cNvSpPr>
-          <p:nvPr>
-            <p:ph type="title"/>
-          </p:nvPr>
-        </p:nvSpPr>
-        <p:spPr>
-          <a:xfrm>
-            <a:off x="375083" y="201228"/>
-            <a:ext cx="10840914" cy="1260000"/>
-          </a:xfrm>
-        </p:spPr>
-        <p:txBody>
-          <a:bodyPr/>
-          <a:lstStyle/>
-          <a:p>
-            <a:r>
-              <a:rPr lang="en-US" dirty="0"/>
-              <a:t>Key scenarios</a:t>
-            </a:r>
-          </a:p>
-        </p:txBody>
-      </p:sp>
-      <p:sp>
-        <p:nvSpPr>
-          <p:cNvPr id="3" name="Text Placeholder 2">
-            <a:extLst>
-              <a:ext uri="{FF2B5EF4-FFF2-40B4-BE49-F238E27FC236}">
-                <a16:creationId xmlns:a16="http://schemas.microsoft.com/office/drawing/2014/main" id="{1D935431-5E3F-4C1A-BED1-C5BC3D661ED8}"/>
-              </a:ext>
-            </a:extLst>
-          </p:cNvPr>
-          <p:cNvSpPr>
-            <a:spLocks noGrp="1"/>
-          </p:cNvSpPr>
-          <p:nvPr>
-            <p:ph type="body" idx="1"/>
-          </p:nvPr>
-        </p:nvSpPr>
-        <p:spPr/>
-        <p:txBody>
-          <a:bodyPr/>
-          <a:lstStyle/>
-          <a:p>
-            <a:r>
-              <a:rPr lang="en-US" dirty="0"/>
-              <a:t>Scenario 3: Comparison of political sentiments against social, economic and health situations</a:t>
-            </a:r>
-          </a:p>
-        </p:txBody>
-      </p:sp>
-    </p:spTree>
-    <p:extLst>
-      <p:ext uri="{BB962C8B-B14F-4D97-AF65-F5344CB8AC3E}">
-        <p14:creationId xmlns:p14="http://schemas.microsoft.com/office/powerpoint/2010/main" val="2475515996"/>
-      </p:ext>
-    </p:extLst>
-  </p:cSld>
-  <p:clrMapOvr>
-    <a:masterClrMapping/>
-  </p:clrMapOvr>
-</p:sld>
-</file>
-
-<file path=ppt/slides/slide7.xml><?xml version="1.0" encoding="utf-8"?>
-<p:sld xmlns:a="http://schemas.openxmlformats.org/drawingml/2006/main" xmlns:r="http://schemas.openxmlformats.org/officeDocument/2006/relationships" xmlns:p="http://schemas.openxmlformats.org/presentationml/2006/main">
-  <p:cSld>
-    <p:spTree>
-      <p:nvGrpSpPr>
-        <p:cNvPr id="1" name=""/>
-        <p:cNvGrpSpPr/>
-        <p:nvPr/>
-      </p:nvGrpSpPr>
-      <p:grpSpPr>
-        <a:xfrm>
-          <a:off x="0" y="0"/>
-          <a:ext cx="0" cy="0"/>
-          <a:chOff x="0" y="0"/>
-          <a:chExt cx="0" cy="0"/>
-        </a:xfrm>
-      </p:grpSpPr>
-      <p:sp>
-        <p:nvSpPr>
-          <p:cNvPr id="2" name="Title 1">
-            <a:extLst>
-              <a:ext uri="{FF2B5EF4-FFF2-40B4-BE49-F238E27FC236}">
-                <a16:creationId xmlns:a16="http://schemas.microsoft.com/office/drawing/2014/main" id="{7EEC826E-72DB-45B4-B092-DA86DA68C4A7}"/>
-              </a:ext>
-            </a:extLst>
-          </p:cNvPr>
-          <p:cNvSpPr>
-            <a:spLocks noGrp="1"/>
-          </p:cNvSpPr>
-          <p:nvPr>
-            <p:ph type="title"/>
-          </p:nvPr>
-        </p:nvSpPr>
-        <p:spPr>
-          <a:xfrm>
-            <a:off x="375083" y="201228"/>
-            <a:ext cx="10840914" cy="1260000"/>
-          </a:xfrm>
-        </p:spPr>
-        <p:txBody>
-          <a:bodyPr/>
-          <a:lstStyle/>
-          <a:p>
-            <a:r>
-              <a:rPr lang="en-US" dirty="0"/>
-              <a:t>Demo</a:t>
-            </a:r>
-          </a:p>
-        </p:txBody>
-      </p:sp>
-      <p:sp>
-        <p:nvSpPr>
-          <p:cNvPr id="3" name="Text Placeholder 2">
-            <a:extLst>
-              <a:ext uri="{FF2B5EF4-FFF2-40B4-BE49-F238E27FC236}">
-                <a16:creationId xmlns:a16="http://schemas.microsoft.com/office/drawing/2014/main" id="{1D935431-5E3F-4C1A-BED1-C5BC3D661ED8}"/>
-              </a:ext>
-            </a:extLst>
-          </p:cNvPr>
-          <p:cNvSpPr>
-            <a:spLocks noGrp="1"/>
-          </p:cNvSpPr>
-          <p:nvPr>
-            <p:ph type="body" idx="1"/>
-          </p:nvPr>
-        </p:nvSpPr>
-        <p:spPr/>
-        <p:txBody>
-          <a:bodyPr/>
-          <a:lstStyle/>
-          <a:p>
-            <a:r>
-              <a:rPr lang="en-US" dirty="0"/>
-              <a:t>Demo video</a:t>
+              <a:t>Link to the video</a:t>
             </a:r>
           </a:p>
         </p:txBody>
@@ -8218,7 +8169,7 @@
 </p:sld>
 </file>
 
-<file path=ppt/slides/slide8.xml><?xml version="1.0" encoding="utf-8"?>
+<file path=ppt/slides/slide6.xml><?xml version="1.0" encoding="utf-8"?>
 <p:sld xmlns:a="http://schemas.openxmlformats.org/drawingml/2006/main" xmlns:r="http://schemas.openxmlformats.org/officeDocument/2006/relationships" xmlns:p="http://schemas.openxmlformats.org/presentationml/2006/main">
   <p:cSld>
     <p:spTree>
@@ -9095,23 +9046,6 @@
 </file>
 
 <file path=customXml/item1.xml><?xml version="1.0" encoding="utf-8"?>
-<?mso-contentType ?>
-<FormTemplates xmlns="http://schemas.microsoft.com/sharepoint/v3/contenttype/forms">
-  <Display>DocumentLibraryForm</Display>
-  <Edit>DocumentLibraryForm</Edit>
-  <New>DocumentLibraryForm</New>
-</FormTemplates>
-</file>
-
-<file path=customXml/item2.xml><?xml version="1.0" encoding="utf-8"?>
-<p:properties xmlns:p="http://schemas.microsoft.com/office/2006/metadata/properties" xmlns:xsi="http://www.w3.org/2001/XMLSchema-instance" xmlns:pc="http://schemas.microsoft.com/office/infopath/2007/PartnerControls">
-  <documentManagement>
-    <MediaServiceKeyPoints xmlns="71af3243-3dd4-4a8d-8c0d-dd76da1f02a5" xsi:nil="true"/>
-  </documentManagement>
-</p:properties>
-</file>
-
-<file path=customXml/item3.xml><?xml version="1.0" encoding="utf-8"?>
 <ct:contentTypeSchema xmlns:ct="http://schemas.microsoft.com/office/2006/metadata/contentType" xmlns:ma="http://schemas.microsoft.com/office/2006/metadata/properties/metaAttributes" ct:_="" ma:_="" ma:contentTypeName="Document" ma:contentTypeID="0x01010079F111ED35F8CC479449609E8A0923A6" ma:contentTypeVersion="11" ma:contentTypeDescription="Create a new document." ma:contentTypeScope="" ma:versionID="96291512c1ee715ab617f4c07df79fc1">
   <xsd:schema xmlns:xsd="http://www.w3.org/2001/XMLSchema" xmlns:xs="http://www.w3.org/2001/XMLSchema" xmlns:p="http://schemas.microsoft.com/office/2006/metadata/properties" xmlns:ns2="71af3243-3dd4-4a8d-8c0d-dd76da1f02a5" xmlns:ns3="16c05727-aa75-4e4a-9b5f-8a80a1165891" targetNamespace="http://schemas.microsoft.com/office/2006/metadata/properties" ma:root="true" ma:fieldsID="8256c27c40ca5c40ce1cf6c44f0205df" ns2:_="" ns3:_="">
     <xsd:import namespace="71af3243-3dd4-4a8d-8c0d-dd76da1f02a5"/>
@@ -9322,25 +9256,24 @@
 </ct:contentTypeSchema>
 </file>
 
-<file path=customXml/itemProps1.xml><?xml version="1.0" encoding="utf-8"?>
-<ds:datastoreItem xmlns:ds="http://schemas.openxmlformats.org/officeDocument/2006/customXml" ds:itemID="{38C25A74-1E0C-4362-AFA3-6197BD285F3A}">
-  <ds:schemaRefs>
-    <ds:schemaRef ds:uri="http://schemas.microsoft.com/sharepoint/v3/contenttype/forms"/>
-  </ds:schemaRefs>
-</ds:datastoreItem>
+<file path=customXml/item2.xml><?xml version="1.0" encoding="utf-8"?>
+<p:properties xmlns:p="http://schemas.microsoft.com/office/2006/metadata/properties" xmlns:xsi="http://www.w3.org/2001/XMLSchema-instance" xmlns:pc="http://schemas.microsoft.com/office/infopath/2007/PartnerControls">
+  <documentManagement>
+    <MediaServiceKeyPoints xmlns="71af3243-3dd4-4a8d-8c0d-dd76da1f02a5" xsi:nil="true"/>
+  </documentManagement>
+</p:properties>
 </file>
 
-<file path=customXml/itemProps2.xml><?xml version="1.0" encoding="utf-8"?>
-<ds:datastoreItem xmlns:ds="http://schemas.openxmlformats.org/officeDocument/2006/customXml" ds:itemID="{0EC94942-C689-461B-8649-1FD863C6BA2B}">
-  <ds:schemaRefs>
-    <ds:schemaRef ds:uri="http://schemas.microsoft.com/office/2006/metadata/properties"/>
-    <ds:schemaRef ds:uri="http://schemas.microsoft.com/office/infopath/2007/PartnerControls"/>
-    <ds:schemaRef ds:uri="71af3243-3dd4-4a8d-8c0d-dd76da1f02a5"/>
-  </ds:schemaRefs>
-</ds:datastoreItem>
+<file path=customXml/item3.xml><?xml version="1.0" encoding="utf-8"?>
+<?mso-contentType ?>
+<FormTemplates xmlns="http://schemas.microsoft.com/sharepoint/v3/contenttype/forms">
+  <Display>DocumentLibraryForm</Display>
+  <Edit>DocumentLibraryForm</Edit>
+  <New>DocumentLibraryForm</New>
+</FormTemplates>
 </file>
 
-<file path=customXml/itemProps3.xml><?xml version="1.0" encoding="utf-8"?>
+<file path=customXml/itemProps1.xml><?xml version="1.0" encoding="utf-8"?>
 <ds:datastoreItem xmlns:ds="http://schemas.openxmlformats.org/officeDocument/2006/customXml" ds:itemID="{096277B9-27DA-47CA-9593-62E4BB44ABEA}">
   <ds:schemaRefs>
     <ds:schemaRef ds:uri="http://schemas.microsoft.com/office/2006/metadata/contentType"/>
@@ -9357,4 +9290,22 @@
     <ds:schemaRef ds:uri="http://schemas.microsoft.com/internal/obd"/>
   </ds:schemaRefs>
 </ds:datastoreItem>
+</file>
+
+<file path=customXml/itemProps2.xml><?xml version="1.0" encoding="utf-8"?>
+<ds:datastoreItem xmlns:ds="http://schemas.openxmlformats.org/officeDocument/2006/customXml" ds:itemID="{0EC94942-C689-461B-8649-1FD863C6BA2B}">
+  <ds:schemaRefs>
+    <ds:schemaRef ds:uri="http://schemas.microsoft.com/office/2006/metadata/properties"/>
+    <ds:schemaRef ds:uri="http://schemas.microsoft.com/office/infopath/2007/PartnerControls"/>
+    <ds:schemaRef ds:uri="71af3243-3dd4-4a8d-8c0d-dd76da1f02a5"/>
+  </ds:schemaRefs>
+</ds:datastoreItem>
+</file>
+
+<file path=customXml/itemProps3.xml><?xml version="1.0" encoding="utf-8"?>
+<ds:datastoreItem xmlns:ds="http://schemas.openxmlformats.org/officeDocument/2006/customXml" ds:itemID="{38C25A74-1E0C-4362-AFA3-6197BD285F3A}">
+  <ds:schemaRefs>
+    <ds:schemaRef ds:uri="http://schemas.microsoft.com/sharepoint/v3/contenttype/forms"/>
+  </ds:schemaRefs>
+</ds:datastoreItem>
 </file>
--- a/Team19_Presentation.pptx
+++ b/Team19_Presentation.pptx
@@ -122,10 +122,6 @@
           <p14:sldIdLst>
             <p14:sldId id="268"/>
             <p14:sldId id="277"/>
-          </p14:sldIdLst>
-        </p14:section>
-        <p14:section name="Untitled Section" id="{FFBA3020-8FF3-4998-9E66-1FA04EA97F56}">
-          <p14:sldIdLst>
             <p14:sldId id="271"/>
             <p14:sldId id="278"/>
             <p14:sldId id="281"/>
@@ -9046,6 +9042,23 @@
 </file>
 
 <file path=customXml/item1.xml><?xml version="1.0" encoding="utf-8"?>
+<?mso-contentType ?>
+<FormTemplates xmlns="http://schemas.microsoft.com/sharepoint/v3/contenttype/forms">
+  <Display>DocumentLibraryForm</Display>
+  <Edit>DocumentLibraryForm</Edit>
+  <New>DocumentLibraryForm</New>
+</FormTemplates>
+</file>
+
+<file path=customXml/item2.xml><?xml version="1.0" encoding="utf-8"?>
+<p:properties xmlns:p="http://schemas.microsoft.com/office/2006/metadata/properties" xmlns:xsi="http://www.w3.org/2001/XMLSchema-instance" xmlns:pc="http://schemas.microsoft.com/office/infopath/2007/PartnerControls">
+  <documentManagement>
+    <MediaServiceKeyPoints xmlns="71af3243-3dd4-4a8d-8c0d-dd76da1f02a5" xsi:nil="true"/>
+  </documentManagement>
+</p:properties>
+</file>
+
+<file path=customXml/item3.xml><?xml version="1.0" encoding="utf-8"?>
 <ct:contentTypeSchema xmlns:ct="http://schemas.microsoft.com/office/2006/metadata/contentType" xmlns:ma="http://schemas.microsoft.com/office/2006/metadata/properties/metaAttributes" ct:_="" ma:_="" ma:contentTypeName="Document" ma:contentTypeID="0x01010079F111ED35F8CC479449609E8A0923A6" ma:contentTypeVersion="11" ma:contentTypeDescription="Create a new document." ma:contentTypeScope="" ma:versionID="96291512c1ee715ab617f4c07df79fc1">
   <xsd:schema xmlns:xsd="http://www.w3.org/2001/XMLSchema" xmlns:xs="http://www.w3.org/2001/XMLSchema" xmlns:p="http://schemas.microsoft.com/office/2006/metadata/properties" xmlns:ns2="71af3243-3dd4-4a8d-8c0d-dd76da1f02a5" xmlns:ns3="16c05727-aa75-4e4a-9b5f-8a80a1165891" targetNamespace="http://schemas.microsoft.com/office/2006/metadata/properties" ma:root="true" ma:fieldsID="8256c27c40ca5c40ce1cf6c44f0205df" ns2:_="" ns3:_="">
     <xsd:import namespace="71af3243-3dd4-4a8d-8c0d-dd76da1f02a5"/>
@@ -9256,24 +9269,25 @@
 </ct:contentTypeSchema>
 </file>
 
-<file path=customXml/item2.xml><?xml version="1.0" encoding="utf-8"?>
-<p:properties xmlns:p="http://schemas.microsoft.com/office/2006/metadata/properties" xmlns:xsi="http://www.w3.org/2001/XMLSchema-instance" xmlns:pc="http://schemas.microsoft.com/office/infopath/2007/PartnerControls">
-  <documentManagement>
-    <MediaServiceKeyPoints xmlns="71af3243-3dd4-4a8d-8c0d-dd76da1f02a5" xsi:nil="true"/>
-  </documentManagement>
-</p:properties>
+<file path=customXml/itemProps1.xml><?xml version="1.0" encoding="utf-8"?>
+<ds:datastoreItem xmlns:ds="http://schemas.openxmlformats.org/officeDocument/2006/customXml" ds:itemID="{38C25A74-1E0C-4362-AFA3-6197BD285F3A}">
+  <ds:schemaRefs>
+    <ds:schemaRef ds:uri="http://schemas.microsoft.com/sharepoint/v3/contenttype/forms"/>
+  </ds:schemaRefs>
+</ds:datastoreItem>
 </file>
 
-<file path=customXml/item3.xml><?xml version="1.0" encoding="utf-8"?>
-<?mso-contentType ?>
-<FormTemplates xmlns="http://schemas.microsoft.com/sharepoint/v3/contenttype/forms">
-  <Display>DocumentLibraryForm</Display>
-  <Edit>DocumentLibraryForm</Edit>
-  <New>DocumentLibraryForm</New>
-</FormTemplates>
+<file path=customXml/itemProps2.xml><?xml version="1.0" encoding="utf-8"?>
+<ds:datastoreItem xmlns:ds="http://schemas.openxmlformats.org/officeDocument/2006/customXml" ds:itemID="{0EC94942-C689-461B-8649-1FD863C6BA2B}">
+  <ds:schemaRefs>
+    <ds:schemaRef ds:uri="http://schemas.microsoft.com/office/2006/metadata/properties"/>
+    <ds:schemaRef ds:uri="http://schemas.microsoft.com/office/infopath/2007/PartnerControls"/>
+    <ds:schemaRef ds:uri="71af3243-3dd4-4a8d-8c0d-dd76da1f02a5"/>
+  </ds:schemaRefs>
+</ds:datastoreItem>
 </file>
 
-<file path=customXml/itemProps1.xml><?xml version="1.0" encoding="utf-8"?>
+<file path=customXml/itemProps3.xml><?xml version="1.0" encoding="utf-8"?>
 <ds:datastoreItem xmlns:ds="http://schemas.openxmlformats.org/officeDocument/2006/customXml" ds:itemID="{096277B9-27DA-47CA-9593-62E4BB44ABEA}">
   <ds:schemaRefs>
     <ds:schemaRef ds:uri="http://schemas.microsoft.com/office/2006/metadata/contentType"/>
@@ -9290,22 +9304,4 @@
     <ds:schemaRef ds:uri="http://schemas.microsoft.com/internal/obd"/>
   </ds:schemaRefs>
 </ds:datastoreItem>
-</file>
-
-<file path=customXml/itemProps2.xml><?xml version="1.0" encoding="utf-8"?>
-<ds:datastoreItem xmlns:ds="http://schemas.openxmlformats.org/officeDocument/2006/customXml" ds:itemID="{0EC94942-C689-461B-8649-1FD863C6BA2B}">
-  <ds:schemaRefs>
-    <ds:schemaRef ds:uri="http://schemas.microsoft.com/office/2006/metadata/properties"/>
-    <ds:schemaRef ds:uri="http://schemas.microsoft.com/office/infopath/2007/PartnerControls"/>
-    <ds:schemaRef ds:uri="71af3243-3dd4-4a8d-8c0d-dd76da1f02a5"/>
-  </ds:schemaRefs>
-</ds:datastoreItem>
-</file>
-
-<file path=customXml/itemProps3.xml><?xml version="1.0" encoding="utf-8"?>
-<ds:datastoreItem xmlns:ds="http://schemas.openxmlformats.org/officeDocument/2006/customXml" ds:itemID="{38C25A74-1E0C-4362-AFA3-6197BD285F3A}">
-  <ds:schemaRefs>
-    <ds:schemaRef ds:uri="http://schemas.microsoft.com/sharepoint/v3/contenttype/forms"/>
-  </ds:schemaRefs>
-</ds:datastoreItem>
 </file>